--- a/slide_TTTN_N-T-Ly.pptx
+++ b/slide_TTTN_N-T-Ly.pptx
@@ -2308,7 +2308,7 @@
           <a:p>
             <a:fld id="{FD89A1EE-0C2B-480A-8BC8-3DD53830114F}" type="datetimeFigureOut">
               <a:rPr lang="en-GB" smtClean="0"/>
-              <a:t>06/10/2021</a:t>
+              <a:t>09/10/2021</a:t>
             </a:fld>
             <a:endParaRPr lang="en-GB"/>
           </a:p>
@@ -2747,7 +2747,7 @@
           <a:p>
             <a:fld id="{48A87A34-81AB-432B-8DAE-1953F412C126}" type="datetimeFigureOut">
               <a:rPr lang="en-US" dirty="0"/>
-              <a:t>6/10/2021</a:t>
+              <a:t>9/10/2021</a:t>
             </a:fld>
             <a:endParaRPr lang="en-US" dirty="0"/>
           </a:p>
@@ -3054,7 +3054,7 @@
           <a:p>
             <a:fld id="{48A87A34-81AB-432B-8DAE-1953F412C126}" type="datetimeFigureOut">
               <a:rPr lang="en-US" dirty="0"/>
-              <a:t>6/10/2021</a:t>
+              <a:t>9/10/2021</a:t>
             </a:fld>
             <a:endParaRPr lang="en-US" dirty="0"/>
           </a:p>
@@ -3271,7 +3271,7 @@
           <a:p>
             <a:fld id="{48A87A34-81AB-432B-8DAE-1953F412C126}" type="datetimeFigureOut">
               <a:rPr lang="en-US" dirty="0"/>
-              <a:t>6/10/2021</a:t>
+              <a:t>9/10/2021</a:t>
             </a:fld>
             <a:endParaRPr lang="en-US" dirty="0"/>
           </a:p>
@@ -3557,7 +3557,7 @@
           <a:p>
             <a:fld id="{48A87A34-81AB-432B-8DAE-1953F412C126}" type="datetimeFigureOut">
               <a:rPr lang="en-US" dirty="0"/>
-              <a:t>6/10/2021</a:t>
+              <a:t>9/10/2021</a:t>
             </a:fld>
             <a:endParaRPr lang="en-US" dirty="0"/>
           </a:p>
@@ -4006,7 +4006,7 @@
           <a:p>
             <a:fld id="{48A87A34-81AB-432B-8DAE-1953F412C126}" type="datetimeFigureOut">
               <a:rPr lang="en-US" dirty="0"/>
-              <a:t>6/10/2021</a:t>
+              <a:t>9/10/2021</a:t>
             </a:fld>
             <a:endParaRPr lang="en-US" dirty="0"/>
           </a:p>
@@ -4577,7 +4577,7 @@
           <a:p>
             <a:fld id="{48A87A34-81AB-432B-8DAE-1953F412C126}" type="datetimeFigureOut">
               <a:rPr lang="en-US" dirty="0"/>
-              <a:t>6/10/2021</a:t>
+              <a:t>9/10/2021</a:t>
             </a:fld>
             <a:endParaRPr lang="en-US" dirty="0"/>
           </a:p>
@@ -5424,7 +5424,7 @@
           <a:p>
             <a:fld id="{48A87A34-81AB-432B-8DAE-1953F412C126}" type="datetimeFigureOut">
               <a:rPr lang="en-US" dirty="0"/>
-              <a:t>6/10/2021</a:t>
+              <a:t>9/10/2021</a:t>
             </a:fld>
             <a:endParaRPr lang="en-US" dirty="0"/>
           </a:p>
@@ -5624,7 +5624,7 @@
           <a:p>
             <a:fld id="{48A87A34-81AB-432B-8DAE-1953F412C126}" type="datetimeFigureOut">
               <a:rPr lang="en-US" dirty="0"/>
-              <a:t>6/10/2021</a:t>
+              <a:t>9/10/2021</a:t>
             </a:fld>
             <a:endParaRPr lang="en-US" dirty="0"/>
           </a:p>
@@ -5833,7 +5833,7 @@
           <a:p>
             <a:fld id="{48A87A34-81AB-432B-8DAE-1953F412C126}" type="datetimeFigureOut">
               <a:rPr lang="en-US" dirty="0"/>
-              <a:t>6/10/2021</a:t>
+              <a:t>9/10/2021</a:t>
             </a:fld>
             <a:endParaRPr lang="en-US" dirty="0"/>
           </a:p>
@@ -6033,7 +6033,7 @@
           <a:p>
             <a:fld id="{48A87A34-81AB-432B-8DAE-1953F412C126}" type="datetimeFigureOut">
               <a:rPr lang="en-US" dirty="0"/>
-              <a:t>6/10/2021</a:t>
+              <a:t>9/10/2021</a:t>
             </a:fld>
             <a:endParaRPr lang="en-US" dirty="0"/>
           </a:p>
@@ -6308,7 +6308,7 @@
           <a:p>
             <a:fld id="{48A87A34-81AB-432B-8DAE-1953F412C126}" type="datetimeFigureOut">
               <a:rPr lang="en-US" dirty="0"/>
-              <a:t>6/10/2021</a:t>
+              <a:t>9/10/2021</a:t>
             </a:fld>
             <a:endParaRPr lang="en-US" dirty="0"/>
           </a:p>
@@ -6570,7 +6570,7 @@
           <a:p>
             <a:fld id="{48A87A34-81AB-432B-8DAE-1953F412C126}" type="datetimeFigureOut">
               <a:rPr lang="en-US" dirty="0"/>
-              <a:t>6/10/2021</a:t>
+              <a:t>9/10/2021</a:t>
             </a:fld>
             <a:endParaRPr lang="en-US" dirty="0"/>
           </a:p>
@@ -6980,7 +6980,7 @@
           <a:p>
             <a:fld id="{48A87A34-81AB-432B-8DAE-1953F412C126}" type="datetimeFigureOut">
               <a:rPr lang="en-US" dirty="0"/>
-              <a:t>6/10/2021</a:t>
+              <a:t>9/10/2021</a:t>
             </a:fld>
             <a:endParaRPr lang="en-US" dirty="0"/>
           </a:p>
@@ -7123,7 +7123,7 @@
           <a:p>
             <a:fld id="{48A87A34-81AB-432B-8DAE-1953F412C126}" type="datetimeFigureOut">
               <a:rPr lang="en-US" dirty="0"/>
-              <a:t>6/10/2021</a:t>
+              <a:t>9/10/2021</a:t>
             </a:fld>
             <a:endParaRPr lang="en-US" dirty="0"/>
           </a:p>
@@ -7243,7 +7243,7 @@
           <a:p>
             <a:fld id="{48A87A34-81AB-432B-8DAE-1953F412C126}" type="datetimeFigureOut">
               <a:rPr lang="en-US" dirty="0"/>
-              <a:t>6/10/2021</a:t>
+              <a:t>9/10/2021</a:t>
             </a:fld>
             <a:endParaRPr lang="en-US" dirty="0"/>
           </a:p>
@@ -7517,7 +7517,7 @@
           <a:p>
             <a:fld id="{48A87A34-81AB-432B-8DAE-1953F412C126}" type="datetimeFigureOut">
               <a:rPr lang="en-US" dirty="0"/>
-              <a:t>6/10/2021</a:t>
+              <a:t>9/10/2021</a:t>
             </a:fld>
             <a:endParaRPr lang="en-US" dirty="0"/>
           </a:p>
@@ -7824,7 +7824,7 @@
           <a:p>
             <a:fld id="{48A87A34-81AB-432B-8DAE-1953F412C126}" type="datetimeFigureOut">
               <a:rPr lang="en-US" dirty="0"/>
-              <a:t>6/10/2021</a:t>
+              <a:t>9/10/2021</a:t>
             </a:fld>
             <a:endParaRPr lang="en-US" dirty="0"/>
           </a:p>
@@ -8073,7 +8073,7 @@
             <a:fld id="{48A87A34-81AB-432B-8DAE-1953F412C126}" type="datetimeFigureOut">
               <a:rPr lang="en-US" dirty="0"/>
               <a:pPr/>
-              <a:t>6/10/2021</a:t>
+              <a:t>9/10/2021</a:t>
             </a:fld>
             <a:endParaRPr lang="en-US" dirty="0"/>
           </a:p>
@@ -8643,8 +8643,8 @@
         </p:nvSpPr>
         <p:spPr>
           <a:xfrm>
-            <a:off x="4814237" y="2104194"/>
-            <a:ext cx="2563522" cy="707886"/>
+            <a:off x="1542706" y="2104194"/>
+            <a:ext cx="9106597" cy="707886"/>
           </a:xfrm>
           <a:prstGeom prst="rect">
             <a:avLst/>
@@ -8659,6 +8659,32 @@
           <a:p>
             <a:pPr algn="ctr"/>
             <a:r>
+              <a:rPr lang="en-GB" sz="4000" b="1" smtClean="0">
+                <a:solidFill>
+                  <a:schemeClr val="tx1">
+                    <a:lumMod val="95000"/>
+                    <a:lumOff val="5000"/>
+                  </a:schemeClr>
+                </a:solidFill>
+                <a:latin typeface="Times New Roman" panose="02020603050405020304" pitchFamily="18" charset="0"/>
+                <a:cs typeface="Times New Roman" panose="02020603050405020304" pitchFamily="18" charset="0"/>
+              </a:rPr>
+              <a:t>BÁO </a:t>
+            </a:r>
+            <a:r>
+              <a:rPr lang="en-GB" sz="4000" b="1" smtClean="0">
+                <a:solidFill>
+                  <a:schemeClr val="tx1">
+                    <a:lumMod val="95000"/>
+                    <a:lumOff val="5000"/>
+                  </a:schemeClr>
+                </a:solidFill>
+                <a:latin typeface="Times New Roman" panose="02020603050405020304" pitchFamily="18" charset="0"/>
+                <a:cs typeface="Times New Roman" panose="02020603050405020304" pitchFamily="18" charset="0"/>
+              </a:rPr>
+              <a:t>CÁO THỰC TẬP </a:t>
+            </a:r>
+            <a:r>
               <a:rPr lang="en-GB" sz="4000" b="1" dirty="0" smtClean="0">
                 <a:solidFill>
                   <a:schemeClr val="tx1">
@@ -8669,20 +8695,7 @@
                 <a:latin typeface="Times New Roman" panose="02020603050405020304" pitchFamily="18" charset="0"/>
                 <a:cs typeface="Times New Roman" panose="02020603050405020304" pitchFamily="18" charset="0"/>
               </a:rPr>
-              <a:t>BÁO </a:t>
-            </a:r>
-            <a:r>
-              <a:rPr lang="en-GB" sz="4000" b="1" dirty="0" smtClean="0">
-                <a:solidFill>
-                  <a:schemeClr val="tx1">
-                    <a:lumMod val="95000"/>
-                    <a:lumOff val="5000"/>
-                  </a:schemeClr>
-                </a:solidFill>
-                <a:latin typeface="Times New Roman" panose="02020603050405020304" pitchFamily="18" charset="0"/>
-                <a:cs typeface="Times New Roman" panose="02020603050405020304" pitchFamily="18" charset="0"/>
-              </a:rPr>
-              <a:t>CÁO</a:t>
+              <a:t>NGHỀ NGHIỆP</a:t>
             </a:r>
             <a:endParaRPr lang="en-GB" sz="4000" b="1" dirty="0">
               <a:solidFill>
@@ -8706,7 +8719,7 @@
         <p:spPr>
           <a:xfrm>
             <a:off x="401051" y="3141720"/>
-            <a:ext cx="11389895" cy="1156279"/>
+            <a:ext cx="11389895" cy="954107"/>
           </a:xfrm>
           <a:prstGeom prst="rect">
             <a:avLst/>
@@ -8718,34 +8731,63 @@
           </a:bodyPr>
           <a:lstStyle/>
           <a:p>
-            <a:pPr indent="450215" algn="ctr">
-              <a:lnSpc>
-                <a:spcPct val="130000"/>
-              </a:lnSpc>
-              <a:spcBef>
-                <a:spcPts val="1440"/>
-              </a:spcBef>
-              <a:spcAft>
-                <a:spcPts val="1440"/>
-              </a:spcAft>
-            </a:pPr>
-            <a:r>
-              <a:rPr lang="en-US" sz="2800" b="1" smtClean="0">
+            <a:r>
+              <a:rPr lang="en-US" sz="2800" b="1" dirty="0" smtClean="0">
                 <a:solidFill>
                   <a:srgbClr val="00B0F0"/>
                 </a:solidFill>
                 <a:latin typeface="Times New Roman" panose="02020603050405020304" pitchFamily="18" charset="0"/>
                 <a:ea typeface="Times New Roman" panose="02020603050405020304" pitchFamily="18" charset="0"/>
               </a:rPr>
-              <a:t>ĐỀ TÀI: ỨNG DỤNG MÔ HÌNH MVC TRONG PHP XÂY DỰNG GIAO DIỆN WEBSITE QUẢN LÝ BÁN HÀNG</a:t>
-            </a:r>
-            <a:endParaRPr lang="en-GB" sz="1600">
+              <a:t>ĐỀ </a:t>
+            </a:r>
+            <a:r>
+              <a:rPr lang="en-US" sz="2800" b="1" dirty="0" smtClean="0">
+                <a:solidFill>
+                  <a:schemeClr val="accent1"/>
+                </a:solidFill>
+                <a:latin typeface="Times New Roman" panose="02020603050405020304" pitchFamily="18" charset="0"/>
+                <a:ea typeface="Times New Roman" panose="02020603050405020304" pitchFamily="18" charset="0"/>
+                <a:cs typeface="Times New Roman" panose="02020603050405020304" pitchFamily="18" charset="0"/>
+              </a:rPr>
+              <a:t>TÀI: </a:t>
+            </a:r>
+            <a:r>
+              <a:rPr lang="en-US" sz="2800" b="1" dirty="0">
+                <a:solidFill>
+                  <a:schemeClr val="accent1"/>
+                </a:solidFill>
+                <a:latin typeface="Times New Roman" panose="02020603050405020304" pitchFamily="18" charset="0"/>
+                <a:cs typeface="Times New Roman" panose="02020603050405020304" pitchFamily="18" charset="0"/>
+              </a:rPr>
+              <a:t>XÂY DỰNG WEBSITE HỖ TRỢ QUẢN LÝ BÁN HÀNG CHO </a:t>
+            </a:r>
+            <a:r>
+              <a:rPr lang="en-US" sz="2800" b="1" dirty="0" smtClean="0">
+                <a:solidFill>
+                  <a:schemeClr val="accent1"/>
+                </a:solidFill>
+                <a:latin typeface="Times New Roman" panose="02020603050405020304" pitchFamily="18" charset="0"/>
+                <a:cs typeface="Times New Roman" panose="02020603050405020304" pitchFamily="18" charset="0"/>
+              </a:rPr>
+              <a:t>						CỬA </a:t>
+            </a:r>
+            <a:r>
+              <a:rPr lang="en-US" sz="2800" b="1" dirty="0">
+                <a:solidFill>
+                  <a:schemeClr val="accent1"/>
+                </a:solidFill>
+                <a:latin typeface="Times New Roman" panose="02020603050405020304" pitchFamily="18" charset="0"/>
+                <a:cs typeface="Times New Roman" panose="02020603050405020304" pitchFamily="18" charset="0"/>
+              </a:rPr>
+              <a:t>HÀNG BÁN ĐIỆN THOẠI DUY MẠNH</a:t>
+            </a:r>
+            <a:endParaRPr lang="en-US" sz="2800" dirty="0">
               <a:solidFill>
-                <a:srgbClr val="00B0F0"/>
+                <a:schemeClr val="accent1"/>
               </a:solidFill>
-              <a:effectLst/>
-              <a:latin typeface="Arial" panose="020B0604020202020204" pitchFamily="34" charset="0"/>
-              <a:ea typeface="Times New Roman" panose="02020603050405020304" pitchFamily="18" charset="0"/>
+              <a:latin typeface="Times New Roman" panose="02020603050405020304" pitchFamily="18" charset="0"/>
+              <a:cs typeface="Times New Roman" panose="02020603050405020304" pitchFamily="18" charset="0"/>
             </a:endParaRPr>
           </a:p>
         </p:txBody>
@@ -9548,14 +9590,7 @@
                 <a:latin typeface="Times New Roman" panose="02020603050405020304" pitchFamily="18" charset="0"/>
                 <a:cs typeface="Times New Roman" panose="02020603050405020304" pitchFamily="18" charset="0"/>
               </a:rPr>
-              <a:t> </a:t>
-            </a:r>
-            <a:r>
-              <a:rPr lang="en-GB" sz="4000" dirty="0" smtClean="0">
-                <a:latin typeface="Times New Roman" panose="02020603050405020304" pitchFamily="18" charset="0"/>
-                <a:cs typeface="Times New Roman" panose="02020603050405020304" pitchFamily="18" charset="0"/>
-              </a:rPr>
-              <a:t>chi </a:t>
+              <a:t> chi </a:t>
             </a:r>
             <a:r>
               <a:rPr lang="en-GB" sz="4000" dirty="0" err="1" smtClean="0">
@@ -18039,7 +18074,7 @@
         </p:nvSpPr>
         <p:spPr>
           <a:xfrm>
-            <a:off x="3721768" y="721895"/>
+            <a:off x="3737812" y="950545"/>
             <a:ext cx="7908758" cy="1569660"/>
           </a:xfrm>
           <a:prstGeom prst="rect">
@@ -18058,12 +18093,170 @@
               <a:buChar char="Ø"/>
             </a:pPr>
             <a:r>
-              <a:rPr lang="en-GB" sz="2400" smtClean="0">
-                <a:latin typeface="Times New Roman" panose="02020603050405020304" pitchFamily="18" charset="0"/>
-                <a:cs typeface="Times New Roman" panose="02020603050405020304" pitchFamily="18" charset="0"/>
-              </a:rPr>
-              <a:t> Đa phần các cửa hàng đều lưu trữu dữ liệu bằng giấy</a:t>
-            </a:r>
+              <a:rPr lang="en-GB" sz="2400" dirty="0" smtClean="0">
+                <a:latin typeface="Times New Roman" panose="02020603050405020304" pitchFamily="18" charset="0"/>
+                <a:cs typeface="Times New Roman" panose="02020603050405020304" pitchFamily="18" charset="0"/>
+              </a:rPr>
+              <a:t> </a:t>
+            </a:r>
+            <a:r>
+              <a:rPr lang="en-GB" sz="2400" dirty="0" err="1">
+                <a:latin typeface="Times New Roman" panose="02020603050405020304" pitchFamily="18" charset="0"/>
+                <a:cs typeface="Times New Roman" panose="02020603050405020304" pitchFamily="18" charset="0"/>
+              </a:rPr>
+              <a:t>C</a:t>
+            </a:r>
+            <a:r>
+              <a:rPr lang="en-GB" sz="2400" dirty="0" err="1" smtClean="0">
+                <a:latin typeface="Times New Roman" panose="02020603050405020304" pitchFamily="18" charset="0"/>
+                <a:cs typeface="Times New Roman" panose="02020603050405020304" pitchFamily="18" charset="0"/>
+              </a:rPr>
+              <a:t>ửa</a:t>
+            </a:r>
+            <a:r>
+              <a:rPr lang="en-GB" sz="2400" dirty="0" smtClean="0">
+                <a:latin typeface="Times New Roman" panose="02020603050405020304" pitchFamily="18" charset="0"/>
+                <a:cs typeface="Times New Roman" panose="02020603050405020304" pitchFamily="18" charset="0"/>
+              </a:rPr>
+              <a:t> </a:t>
+            </a:r>
+            <a:r>
+              <a:rPr lang="en-GB" sz="2400" dirty="0" err="1" smtClean="0">
+                <a:latin typeface="Times New Roman" panose="02020603050405020304" pitchFamily="18" charset="0"/>
+                <a:cs typeface="Times New Roman" panose="02020603050405020304" pitchFamily="18" charset="0"/>
+              </a:rPr>
+              <a:t>hàng</a:t>
+            </a:r>
+            <a:r>
+              <a:rPr lang="en-GB" sz="2400" dirty="0" smtClean="0">
+                <a:latin typeface="Times New Roman" panose="02020603050405020304" pitchFamily="18" charset="0"/>
+                <a:cs typeface="Times New Roman" panose="02020603050405020304" pitchFamily="18" charset="0"/>
+              </a:rPr>
+              <a:t> </a:t>
+            </a:r>
+            <a:r>
+              <a:rPr lang="en-GB" sz="2400" dirty="0" err="1" smtClean="0">
+                <a:latin typeface="Times New Roman" panose="02020603050405020304" pitchFamily="18" charset="0"/>
+                <a:cs typeface="Times New Roman" panose="02020603050405020304" pitchFamily="18" charset="0"/>
+              </a:rPr>
+              <a:t>sử</a:t>
+            </a:r>
+            <a:r>
+              <a:rPr lang="en-GB" sz="2400" dirty="0" smtClean="0">
+                <a:latin typeface="Times New Roman" panose="02020603050405020304" pitchFamily="18" charset="0"/>
+                <a:cs typeface="Times New Roman" panose="02020603050405020304" pitchFamily="18" charset="0"/>
+              </a:rPr>
+              <a:t> </a:t>
+            </a:r>
+            <a:r>
+              <a:rPr lang="en-GB" sz="2400" dirty="0" err="1" smtClean="0">
+                <a:latin typeface="Times New Roman" panose="02020603050405020304" pitchFamily="18" charset="0"/>
+                <a:cs typeface="Times New Roman" panose="02020603050405020304" pitchFamily="18" charset="0"/>
+              </a:rPr>
+              <a:t>dụng</a:t>
+            </a:r>
+            <a:r>
+              <a:rPr lang="en-GB" sz="2400" dirty="0" smtClean="0">
+                <a:latin typeface="Times New Roman" panose="02020603050405020304" pitchFamily="18" charset="0"/>
+                <a:cs typeface="Times New Roman" panose="02020603050405020304" pitchFamily="18" charset="0"/>
+              </a:rPr>
+              <a:t> </a:t>
+            </a:r>
+            <a:r>
+              <a:rPr lang="en-GB" sz="2400" dirty="0" err="1" smtClean="0">
+                <a:latin typeface="Times New Roman" panose="02020603050405020304" pitchFamily="18" charset="0"/>
+                <a:cs typeface="Times New Roman" panose="02020603050405020304" pitchFamily="18" charset="0"/>
+              </a:rPr>
+              <a:t>cách</a:t>
+            </a:r>
+            <a:r>
+              <a:rPr lang="en-GB" sz="2400" dirty="0" smtClean="0">
+                <a:latin typeface="Times New Roman" panose="02020603050405020304" pitchFamily="18" charset="0"/>
+                <a:cs typeface="Times New Roman" panose="02020603050405020304" pitchFamily="18" charset="0"/>
+              </a:rPr>
+              <a:t> </a:t>
+            </a:r>
+            <a:r>
+              <a:rPr lang="en-GB" sz="2400" dirty="0" err="1" smtClean="0">
+                <a:latin typeface="Times New Roman" panose="02020603050405020304" pitchFamily="18" charset="0"/>
+                <a:cs typeface="Times New Roman" panose="02020603050405020304" pitchFamily="18" charset="0"/>
+              </a:rPr>
+              <a:t>lưu</a:t>
+            </a:r>
+            <a:r>
+              <a:rPr lang="en-GB" sz="2400" dirty="0" smtClean="0">
+                <a:latin typeface="Times New Roman" panose="02020603050405020304" pitchFamily="18" charset="0"/>
+                <a:cs typeface="Times New Roman" panose="02020603050405020304" pitchFamily="18" charset="0"/>
+              </a:rPr>
+              <a:t> </a:t>
+            </a:r>
+            <a:r>
+              <a:rPr lang="en-GB" sz="2400" dirty="0" err="1" smtClean="0">
+                <a:latin typeface="Times New Roman" panose="02020603050405020304" pitchFamily="18" charset="0"/>
+                <a:cs typeface="Times New Roman" panose="02020603050405020304" pitchFamily="18" charset="0"/>
+              </a:rPr>
+              <a:t>trữu</a:t>
+            </a:r>
+            <a:r>
+              <a:rPr lang="en-GB" sz="2400" dirty="0" smtClean="0">
+                <a:latin typeface="Times New Roman" panose="02020603050405020304" pitchFamily="18" charset="0"/>
+                <a:cs typeface="Times New Roman" panose="02020603050405020304" pitchFamily="18" charset="0"/>
+              </a:rPr>
+              <a:t> </a:t>
+            </a:r>
+            <a:r>
+              <a:rPr lang="en-GB" sz="2400" dirty="0" err="1" smtClean="0">
+                <a:latin typeface="Times New Roman" panose="02020603050405020304" pitchFamily="18" charset="0"/>
+                <a:cs typeface="Times New Roman" panose="02020603050405020304" pitchFamily="18" charset="0"/>
+              </a:rPr>
+              <a:t>dữ</a:t>
+            </a:r>
+            <a:r>
+              <a:rPr lang="en-GB" sz="2400" dirty="0" smtClean="0">
+                <a:latin typeface="Times New Roman" panose="02020603050405020304" pitchFamily="18" charset="0"/>
+                <a:cs typeface="Times New Roman" panose="02020603050405020304" pitchFamily="18" charset="0"/>
+              </a:rPr>
+              <a:t> </a:t>
+            </a:r>
+            <a:r>
+              <a:rPr lang="en-GB" sz="2400" dirty="0" err="1" smtClean="0">
+                <a:latin typeface="Times New Roman" panose="02020603050405020304" pitchFamily="18" charset="0"/>
+                <a:cs typeface="Times New Roman" panose="02020603050405020304" pitchFamily="18" charset="0"/>
+              </a:rPr>
+              <a:t>liệu</a:t>
+            </a:r>
+            <a:r>
+              <a:rPr lang="en-GB" sz="2400" dirty="0" smtClean="0">
+                <a:latin typeface="Times New Roman" panose="02020603050405020304" pitchFamily="18" charset="0"/>
+                <a:cs typeface="Times New Roman" panose="02020603050405020304" pitchFamily="18" charset="0"/>
+              </a:rPr>
+              <a:t> </a:t>
+            </a:r>
+            <a:r>
+              <a:rPr lang="en-GB" sz="2400" dirty="0" err="1" smtClean="0">
+                <a:latin typeface="Times New Roman" panose="02020603050405020304" pitchFamily="18" charset="0"/>
+                <a:cs typeface="Times New Roman" panose="02020603050405020304" pitchFamily="18" charset="0"/>
+              </a:rPr>
+              <a:t>bằng</a:t>
+            </a:r>
+            <a:r>
+              <a:rPr lang="en-GB" sz="2400" dirty="0" smtClean="0">
+                <a:latin typeface="Times New Roman" panose="02020603050405020304" pitchFamily="18" charset="0"/>
+                <a:cs typeface="Times New Roman" panose="02020603050405020304" pitchFamily="18" charset="0"/>
+              </a:rPr>
+              <a:t> </a:t>
+            </a:r>
+            <a:r>
+              <a:rPr lang="en-GB" sz="2400" dirty="0" err="1" smtClean="0">
+                <a:latin typeface="Times New Roman" panose="02020603050405020304" pitchFamily="18" charset="0"/>
+                <a:cs typeface="Times New Roman" panose="02020603050405020304" pitchFamily="18" charset="0"/>
+              </a:rPr>
+              <a:t>giấy</a:t>
+            </a:r>
+            <a:endParaRPr lang="en-GB" sz="2400" dirty="0" smtClean="0">
+              <a:latin typeface="Times New Roman" panose="02020603050405020304" pitchFamily="18" charset="0"/>
+              <a:cs typeface="Times New Roman" panose="02020603050405020304" pitchFamily="18" charset="0"/>
+            </a:endParaRPr>
           </a:p>
           <a:p>
             <a:pPr marL="285750" indent="-285750">
@@ -18071,19 +18264,107 @@
               <a:buChar char="Ø"/>
             </a:pPr>
             <a:r>
-              <a:rPr lang="en-GB" sz="2400">
+              <a:rPr lang="en-GB" sz="2400" dirty="0">
                 <a:latin typeface="Times New Roman" panose="02020603050405020304" pitchFamily="18" charset="0"/>
                 <a:cs typeface="Times New Roman" panose="02020603050405020304" pitchFamily="18" charset="0"/>
               </a:rPr>
               <a:t> </a:t>
             </a:r>
             <a:r>
-              <a:rPr lang="en-GB" sz="2400" smtClean="0">
-                <a:latin typeface="Times New Roman" panose="02020603050405020304" pitchFamily="18" charset="0"/>
-                <a:cs typeface="Times New Roman" panose="02020603050405020304" pitchFamily="18" charset="0"/>
-              </a:rPr>
-              <a:t>Nhập xuất hàng tốn nhiều thời gian</a:t>
-            </a:r>
+              <a:rPr lang="en-GB" sz="2400" dirty="0" err="1" smtClean="0">
+                <a:latin typeface="Times New Roman" panose="02020603050405020304" pitchFamily="18" charset="0"/>
+                <a:cs typeface="Times New Roman" panose="02020603050405020304" pitchFamily="18" charset="0"/>
+              </a:rPr>
+              <a:t>Nhập</a:t>
+            </a:r>
+            <a:r>
+              <a:rPr lang="en-GB" sz="2400" dirty="0" smtClean="0">
+                <a:latin typeface="Times New Roman" panose="02020603050405020304" pitchFamily="18" charset="0"/>
+                <a:cs typeface="Times New Roman" panose="02020603050405020304" pitchFamily="18" charset="0"/>
+              </a:rPr>
+              <a:t> </a:t>
+            </a:r>
+            <a:r>
+              <a:rPr lang="en-GB" sz="2400" dirty="0" err="1" smtClean="0">
+                <a:latin typeface="Times New Roman" panose="02020603050405020304" pitchFamily="18" charset="0"/>
+                <a:cs typeface="Times New Roman" panose="02020603050405020304" pitchFamily="18" charset="0"/>
+              </a:rPr>
+              <a:t>xuất</a:t>
+            </a:r>
+            <a:r>
+              <a:rPr lang="en-GB" sz="2400" dirty="0" smtClean="0">
+                <a:latin typeface="Times New Roman" panose="02020603050405020304" pitchFamily="18" charset="0"/>
+                <a:cs typeface="Times New Roman" panose="02020603050405020304" pitchFamily="18" charset="0"/>
+              </a:rPr>
+              <a:t> </a:t>
+            </a:r>
+            <a:r>
+              <a:rPr lang="en-GB" sz="2400" dirty="0" err="1" smtClean="0">
+                <a:latin typeface="Times New Roman" panose="02020603050405020304" pitchFamily="18" charset="0"/>
+                <a:cs typeface="Times New Roman" panose="02020603050405020304" pitchFamily="18" charset="0"/>
+              </a:rPr>
+              <a:t>hàng</a:t>
+            </a:r>
+            <a:r>
+              <a:rPr lang="en-GB" sz="2400" dirty="0" smtClean="0">
+                <a:latin typeface="Times New Roman" panose="02020603050405020304" pitchFamily="18" charset="0"/>
+                <a:cs typeface="Times New Roman" panose="02020603050405020304" pitchFamily="18" charset="0"/>
+              </a:rPr>
+              <a:t> </a:t>
+            </a:r>
+            <a:r>
+              <a:rPr lang="en-GB" sz="2400" dirty="0" err="1" smtClean="0">
+                <a:latin typeface="Times New Roman" panose="02020603050405020304" pitchFamily="18" charset="0"/>
+                <a:cs typeface="Times New Roman" panose="02020603050405020304" pitchFamily="18" charset="0"/>
+              </a:rPr>
+              <a:t>tốn</a:t>
+            </a:r>
+            <a:r>
+              <a:rPr lang="en-GB" sz="2400" dirty="0" smtClean="0">
+                <a:latin typeface="Times New Roman" panose="02020603050405020304" pitchFamily="18" charset="0"/>
+                <a:cs typeface="Times New Roman" panose="02020603050405020304" pitchFamily="18" charset="0"/>
+              </a:rPr>
+              <a:t> </a:t>
+            </a:r>
+            <a:r>
+              <a:rPr lang="en-GB" sz="2400" dirty="0" err="1" smtClean="0">
+                <a:latin typeface="Times New Roman" panose="02020603050405020304" pitchFamily="18" charset="0"/>
+                <a:cs typeface="Times New Roman" panose="02020603050405020304" pitchFamily="18" charset="0"/>
+              </a:rPr>
+              <a:t>nhiều</a:t>
+            </a:r>
+            <a:r>
+              <a:rPr lang="en-GB" sz="2400" dirty="0" smtClean="0">
+                <a:latin typeface="Times New Roman" panose="02020603050405020304" pitchFamily="18" charset="0"/>
+                <a:cs typeface="Times New Roman" panose="02020603050405020304" pitchFamily="18" charset="0"/>
+              </a:rPr>
+              <a:t> </a:t>
+            </a:r>
+            <a:r>
+              <a:rPr lang="en-GB" sz="2400" dirty="0" err="1" smtClean="0">
+                <a:latin typeface="Times New Roman" panose="02020603050405020304" pitchFamily="18" charset="0"/>
+                <a:cs typeface="Times New Roman" panose="02020603050405020304" pitchFamily="18" charset="0"/>
+              </a:rPr>
+              <a:t>thời</a:t>
+            </a:r>
+            <a:r>
+              <a:rPr lang="en-GB" sz="2400" dirty="0" smtClean="0">
+                <a:latin typeface="Times New Roman" panose="02020603050405020304" pitchFamily="18" charset="0"/>
+                <a:cs typeface="Times New Roman" panose="02020603050405020304" pitchFamily="18" charset="0"/>
+              </a:rPr>
+              <a:t> </a:t>
+            </a:r>
+            <a:r>
+              <a:rPr lang="en-GB" sz="2400" dirty="0" err="1" smtClean="0">
+                <a:latin typeface="Times New Roman" panose="02020603050405020304" pitchFamily="18" charset="0"/>
+                <a:cs typeface="Times New Roman" panose="02020603050405020304" pitchFamily="18" charset="0"/>
+              </a:rPr>
+              <a:t>gian</a:t>
+            </a:r>
+            <a:endParaRPr lang="en-GB" sz="2400" dirty="0" smtClean="0">
+              <a:latin typeface="Times New Roman" panose="02020603050405020304" pitchFamily="18" charset="0"/>
+              <a:cs typeface="Times New Roman" panose="02020603050405020304" pitchFamily="18" charset="0"/>
+            </a:endParaRPr>
           </a:p>
           <a:p>
             <a:pPr marL="285750" indent="-285750">
@@ -18091,12 +18372,79 @@
               <a:buChar char="Ø"/>
             </a:pPr>
             <a:r>
-              <a:rPr lang="en-GB" sz="2400" smtClean="0">
-                <a:latin typeface="Times New Roman" panose="02020603050405020304" pitchFamily="18" charset="0"/>
-                <a:cs typeface="Times New Roman" panose="02020603050405020304" pitchFamily="18" charset="0"/>
-              </a:rPr>
-              <a:t> Thống kê không thuận tiện</a:t>
-            </a:r>
+              <a:rPr lang="en-GB" sz="2400" dirty="0" smtClean="0">
+                <a:latin typeface="Times New Roman" panose="02020603050405020304" pitchFamily="18" charset="0"/>
+                <a:cs typeface="Times New Roman" panose="02020603050405020304" pitchFamily="18" charset="0"/>
+              </a:rPr>
+              <a:t> </a:t>
+            </a:r>
+            <a:r>
+              <a:rPr lang="en-GB" sz="2400" dirty="0" err="1" smtClean="0">
+                <a:latin typeface="Times New Roman" panose="02020603050405020304" pitchFamily="18" charset="0"/>
+                <a:cs typeface="Times New Roman" panose="02020603050405020304" pitchFamily="18" charset="0"/>
+              </a:rPr>
+              <a:t>Thống</a:t>
+            </a:r>
+            <a:r>
+              <a:rPr lang="en-GB" sz="2400" dirty="0" smtClean="0">
+                <a:latin typeface="Times New Roman" panose="02020603050405020304" pitchFamily="18" charset="0"/>
+                <a:cs typeface="Times New Roman" panose="02020603050405020304" pitchFamily="18" charset="0"/>
+              </a:rPr>
+              <a:t> </a:t>
+            </a:r>
+            <a:r>
+              <a:rPr lang="en-GB" sz="2400" dirty="0" err="1" smtClean="0">
+                <a:latin typeface="Times New Roman" panose="02020603050405020304" pitchFamily="18" charset="0"/>
+                <a:cs typeface="Times New Roman" panose="02020603050405020304" pitchFamily="18" charset="0"/>
+              </a:rPr>
+              <a:t>kê</a:t>
+            </a:r>
+            <a:r>
+              <a:rPr lang="en-GB" sz="2400" dirty="0" smtClean="0">
+                <a:latin typeface="Times New Roman" panose="02020603050405020304" pitchFamily="18" charset="0"/>
+                <a:cs typeface="Times New Roman" panose="02020603050405020304" pitchFamily="18" charset="0"/>
+              </a:rPr>
+              <a:t> </a:t>
+            </a:r>
+            <a:r>
+              <a:rPr lang="en-GB" sz="2400" dirty="0" err="1" smtClean="0">
+                <a:latin typeface="Times New Roman" panose="02020603050405020304" pitchFamily="18" charset="0"/>
+                <a:cs typeface="Times New Roman" panose="02020603050405020304" pitchFamily="18" charset="0"/>
+              </a:rPr>
+              <a:t>không</a:t>
+            </a:r>
+            <a:r>
+              <a:rPr lang="en-GB" sz="2400" dirty="0" smtClean="0">
+                <a:latin typeface="Times New Roman" panose="02020603050405020304" pitchFamily="18" charset="0"/>
+                <a:cs typeface="Times New Roman" panose="02020603050405020304" pitchFamily="18" charset="0"/>
+              </a:rPr>
+              <a:t> </a:t>
+            </a:r>
+            <a:r>
+              <a:rPr lang="en-GB" sz="2400" dirty="0" err="1" smtClean="0">
+                <a:latin typeface="Times New Roman" panose="02020603050405020304" pitchFamily="18" charset="0"/>
+                <a:cs typeface="Times New Roman" panose="02020603050405020304" pitchFamily="18" charset="0"/>
+              </a:rPr>
+              <a:t>thuận</a:t>
+            </a:r>
+            <a:r>
+              <a:rPr lang="en-GB" sz="2400" dirty="0" smtClean="0">
+                <a:latin typeface="Times New Roman" panose="02020603050405020304" pitchFamily="18" charset="0"/>
+                <a:cs typeface="Times New Roman" panose="02020603050405020304" pitchFamily="18" charset="0"/>
+              </a:rPr>
+              <a:t> </a:t>
+            </a:r>
+            <a:r>
+              <a:rPr lang="en-GB" sz="2400" dirty="0" err="1" smtClean="0">
+                <a:latin typeface="Times New Roman" panose="02020603050405020304" pitchFamily="18" charset="0"/>
+                <a:cs typeface="Times New Roman" panose="02020603050405020304" pitchFamily="18" charset="0"/>
+              </a:rPr>
+              <a:t>tiện</a:t>
+            </a:r>
+            <a:endParaRPr lang="en-GB" sz="2400" dirty="0" smtClean="0">
+              <a:latin typeface="Times New Roman" panose="02020603050405020304" pitchFamily="18" charset="0"/>
+              <a:cs typeface="Times New Roman" panose="02020603050405020304" pitchFamily="18" charset="0"/>
+            </a:endParaRPr>
           </a:p>
           <a:p>
             <a:pPr marL="285750" indent="-285750">
@@ -18104,20 +18452,62 @@
               <a:buChar char="Ø"/>
             </a:pPr>
             <a:r>
-              <a:rPr lang="en-GB" sz="2400">
+              <a:rPr lang="en-GB" sz="2400" dirty="0">
                 <a:latin typeface="Times New Roman" panose="02020603050405020304" pitchFamily="18" charset="0"/>
                 <a:cs typeface="Times New Roman" panose="02020603050405020304" pitchFamily="18" charset="0"/>
               </a:rPr>
               <a:t> </a:t>
             </a:r>
             <a:r>
-              <a:rPr lang="en-GB" sz="2400" smtClean="0">
-                <a:latin typeface="Times New Roman" panose="02020603050405020304" pitchFamily="18" charset="0"/>
-                <a:cs typeface="Times New Roman" panose="02020603050405020304" pitchFamily="18" charset="0"/>
-              </a:rPr>
-              <a:t>Dễ mất dữ liệu</a:t>
-            </a:r>
-            <a:endParaRPr lang="en-GB" sz="2400">
+              <a:rPr lang="en-GB" sz="2400" dirty="0" err="1" smtClean="0">
+                <a:latin typeface="Times New Roman" panose="02020603050405020304" pitchFamily="18" charset="0"/>
+                <a:cs typeface="Times New Roman" panose="02020603050405020304" pitchFamily="18" charset="0"/>
+              </a:rPr>
+              <a:t>Dễ</a:t>
+            </a:r>
+            <a:r>
+              <a:rPr lang="en-GB" sz="2400" dirty="0" smtClean="0">
+                <a:latin typeface="Times New Roman" panose="02020603050405020304" pitchFamily="18" charset="0"/>
+                <a:cs typeface="Times New Roman" panose="02020603050405020304" pitchFamily="18" charset="0"/>
+              </a:rPr>
+              <a:t> </a:t>
+            </a:r>
+            <a:r>
+              <a:rPr lang="en-GB" sz="2400" dirty="0" err="1" smtClean="0">
+                <a:latin typeface="Times New Roman" panose="02020603050405020304" pitchFamily="18" charset="0"/>
+                <a:cs typeface="Times New Roman" panose="02020603050405020304" pitchFamily="18" charset="0"/>
+              </a:rPr>
+              <a:t>mất</a:t>
+            </a:r>
+            <a:r>
+              <a:rPr lang="en-GB" sz="2400" dirty="0" smtClean="0">
+                <a:latin typeface="Times New Roman" panose="02020603050405020304" pitchFamily="18" charset="0"/>
+                <a:cs typeface="Times New Roman" panose="02020603050405020304" pitchFamily="18" charset="0"/>
+              </a:rPr>
+              <a:t> </a:t>
+            </a:r>
+            <a:r>
+              <a:rPr lang="en-GB" sz="2400" dirty="0" err="1" smtClean="0">
+                <a:latin typeface="Times New Roman" panose="02020603050405020304" pitchFamily="18" charset="0"/>
+                <a:cs typeface="Times New Roman" panose="02020603050405020304" pitchFamily="18" charset="0"/>
+              </a:rPr>
+              <a:t>dữ</a:t>
+            </a:r>
+            <a:r>
+              <a:rPr lang="en-GB" sz="2400" dirty="0" smtClean="0">
+                <a:latin typeface="Times New Roman" panose="02020603050405020304" pitchFamily="18" charset="0"/>
+                <a:cs typeface="Times New Roman" panose="02020603050405020304" pitchFamily="18" charset="0"/>
+              </a:rPr>
+              <a:t> </a:t>
+            </a:r>
+            <a:r>
+              <a:rPr lang="en-GB" sz="2400" dirty="0" err="1" smtClean="0">
+                <a:latin typeface="Times New Roman" panose="02020603050405020304" pitchFamily="18" charset="0"/>
+                <a:cs typeface="Times New Roman" panose="02020603050405020304" pitchFamily="18" charset="0"/>
+              </a:rPr>
+              <a:t>liệu</a:t>
+            </a:r>
+            <a:endParaRPr lang="en-GB" sz="2400" dirty="0">
               <a:latin typeface="Times New Roman" panose="02020603050405020304" pitchFamily="18" charset="0"/>
               <a:cs typeface="Times New Roman" panose="02020603050405020304" pitchFamily="18" charset="0"/>
             </a:endParaRPr>
@@ -18132,7 +18522,7 @@
         </p:nvSpPr>
         <p:spPr>
           <a:xfrm>
-            <a:off x="3737812" y="3513222"/>
+            <a:off x="3737812" y="4003919"/>
             <a:ext cx="7908758" cy="1200329"/>
           </a:xfrm>
           <a:prstGeom prst="rect">
@@ -18151,12 +18541,93 @@
               <a:buChar char="Ø"/>
             </a:pPr>
             <a:r>
-              <a:rPr lang="en-GB" sz="2400" smtClean="0">
-                <a:latin typeface="Times New Roman" panose="02020603050405020304" pitchFamily="18" charset="0"/>
-                <a:cs typeface="Times New Roman" panose="02020603050405020304" pitchFamily="18" charset="0"/>
-              </a:rPr>
-              <a:t> Xây dựng website quản lý bán hàng</a:t>
-            </a:r>
+              <a:rPr lang="en-GB" sz="2400" dirty="0" smtClean="0">
+                <a:latin typeface="Times New Roman" panose="02020603050405020304" pitchFamily="18" charset="0"/>
+                <a:cs typeface="Times New Roman" panose="02020603050405020304" pitchFamily="18" charset="0"/>
+              </a:rPr>
+              <a:t> </a:t>
+            </a:r>
+            <a:r>
+              <a:rPr lang="en-GB" sz="2400" dirty="0" err="1" smtClean="0">
+                <a:latin typeface="Times New Roman" panose="02020603050405020304" pitchFamily="18" charset="0"/>
+                <a:cs typeface="Times New Roman" panose="02020603050405020304" pitchFamily="18" charset="0"/>
+              </a:rPr>
+              <a:t>Xây</a:t>
+            </a:r>
+            <a:r>
+              <a:rPr lang="en-GB" sz="2400" dirty="0" smtClean="0">
+                <a:latin typeface="Times New Roman" panose="02020603050405020304" pitchFamily="18" charset="0"/>
+                <a:cs typeface="Times New Roman" panose="02020603050405020304" pitchFamily="18" charset="0"/>
+              </a:rPr>
+              <a:t> </a:t>
+            </a:r>
+            <a:r>
+              <a:rPr lang="en-GB" sz="2400" dirty="0" err="1" smtClean="0">
+                <a:latin typeface="Times New Roman" panose="02020603050405020304" pitchFamily="18" charset="0"/>
+                <a:cs typeface="Times New Roman" panose="02020603050405020304" pitchFamily="18" charset="0"/>
+              </a:rPr>
+              <a:t>dựng</a:t>
+            </a:r>
+            <a:r>
+              <a:rPr lang="en-GB" sz="2400" dirty="0" smtClean="0">
+                <a:latin typeface="Times New Roman" panose="02020603050405020304" pitchFamily="18" charset="0"/>
+                <a:cs typeface="Times New Roman" panose="02020603050405020304" pitchFamily="18" charset="0"/>
+              </a:rPr>
+              <a:t> website </a:t>
+            </a:r>
+            <a:r>
+              <a:rPr lang="en-GB" sz="2400" dirty="0" err="1" smtClean="0">
+                <a:latin typeface="Times New Roman" panose="02020603050405020304" pitchFamily="18" charset="0"/>
+                <a:cs typeface="Times New Roman" panose="02020603050405020304" pitchFamily="18" charset="0"/>
+              </a:rPr>
+              <a:t>quản</a:t>
+            </a:r>
+            <a:r>
+              <a:rPr lang="en-GB" sz="2400" dirty="0" smtClean="0">
+                <a:latin typeface="Times New Roman" panose="02020603050405020304" pitchFamily="18" charset="0"/>
+                <a:cs typeface="Times New Roman" panose="02020603050405020304" pitchFamily="18" charset="0"/>
+              </a:rPr>
+              <a:t> </a:t>
+            </a:r>
+            <a:r>
+              <a:rPr lang="en-GB" sz="2400" dirty="0" err="1" smtClean="0">
+                <a:latin typeface="Times New Roman" panose="02020603050405020304" pitchFamily="18" charset="0"/>
+                <a:cs typeface="Times New Roman" panose="02020603050405020304" pitchFamily="18" charset="0"/>
+              </a:rPr>
+              <a:t>lý</a:t>
+            </a:r>
+            <a:r>
+              <a:rPr lang="en-GB" sz="2400" dirty="0" smtClean="0">
+                <a:latin typeface="Times New Roman" panose="02020603050405020304" pitchFamily="18" charset="0"/>
+                <a:cs typeface="Times New Roman" panose="02020603050405020304" pitchFamily="18" charset="0"/>
+              </a:rPr>
+              <a:t> </a:t>
+            </a:r>
+            <a:r>
+              <a:rPr lang="en-GB" sz="2400" dirty="0" err="1" smtClean="0">
+                <a:latin typeface="Times New Roman" panose="02020603050405020304" pitchFamily="18" charset="0"/>
+                <a:cs typeface="Times New Roman" panose="02020603050405020304" pitchFamily="18" charset="0"/>
+              </a:rPr>
+              <a:t>bán</a:t>
+            </a:r>
+            <a:r>
+              <a:rPr lang="en-GB" sz="2400" dirty="0" smtClean="0">
+                <a:latin typeface="Times New Roman" panose="02020603050405020304" pitchFamily="18" charset="0"/>
+                <a:cs typeface="Times New Roman" panose="02020603050405020304" pitchFamily="18" charset="0"/>
+              </a:rPr>
+              <a:t> </a:t>
+            </a:r>
+            <a:r>
+              <a:rPr lang="en-GB" sz="2400" dirty="0" err="1" smtClean="0">
+                <a:latin typeface="Times New Roman" panose="02020603050405020304" pitchFamily="18" charset="0"/>
+                <a:cs typeface="Times New Roman" panose="02020603050405020304" pitchFamily="18" charset="0"/>
+              </a:rPr>
+              <a:t>hàng</a:t>
+            </a:r>
+            <a:endParaRPr lang="en-GB" sz="2400" dirty="0" smtClean="0">
+              <a:latin typeface="Times New Roman" panose="02020603050405020304" pitchFamily="18" charset="0"/>
+              <a:cs typeface="Times New Roman" panose="02020603050405020304" pitchFamily="18" charset="0"/>
+            </a:endParaRPr>
           </a:p>
           <a:p>
             <a:pPr marL="285750" indent="-285750">
@@ -18164,19 +18635,93 @@
               <a:buChar char="Ø"/>
             </a:pPr>
             <a:r>
-              <a:rPr lang="en-GB" sz="2400">
+              <a:rPr lang="en-GB" sz="2400" dirty="0">
                 <a:latin typeface="Times New Roman" panose="02020603050405020304" pitchFamily="18" charset="0"/>
                 <a:cs typeface="Times New Roman" panose="02020603050405020304" pitchFamily="18" charset="0"/>
               </a:rPr>
               <a:t> </a:t>
             </a:r>
             <a:r>
-              <a:rPr lang="en-GB" sz="2400" smtClean="0">
-                <a:latin typeface="Times New Roman" panose="02020603050405020304" pitchFamily="18" charset="0"/>
-                <a:cs typeface="Times New Roman" panose="02020603050405020304" pitchFamily="18" charset="0"/>
-              </a:rPr>
-              <a:t>Thuận tiện cho việc quản lý</a:t>
-            </a:r>
+              <a:rPr lang="en-GB" sz="2400" dirty="0" err="1" smtClean="0">
+                <a:latin typeface="Times New Roman" panose="02020603050405020304" pitchFamily="18" charset="0"/>
+                <a:cs typeface="Times New Roman" panose="02020603050405020304" pitchFamily="18" charset="0"/>
+              </a:rPr>
+              <a:t>Thuận</a:t>
+            </a:r>
+            <a:r>
+              <a:rPr lang="en-GB" sz="2400" dirty="0" smtClean="0">
+                <a:latin typeface="Times New Roman" panose="02020603050405020304" pitchFamily="18" charset="0"/>
+                <a:cs typeface="Times New Roman" panose="02020603050405020304" pitchFamily="18" charset="0"/>
+              </a:rPr>
+              <a:t> </a:t>
+            </a:r>
+            <a:r>
+              <a:rPr lang="en-GB" sz="2400" dirty="0" err="1" smtClean="0">
+                <a:latin typeface="Times New Roman" panose="02020603050405020304" pitchFamily="18" charset="0"/>
+                <a:cs typeface="Times New Roman" panose="02020603050405020304" pitchFamily="18" charset="0"/>
+              </a:rPr>
+              <a:t>tiện</a:t>
+            </a:r>
+            <a:r>
+              <a:rPr lang="en-GB" sz="2400" dirty="0" smtClean="0">
+                <a:latin typeface="Times New Roman" panose="02020603050405020304" pitchFamily="18" charset="0"/>
+                <a:cs typeface="Times New Roman" panose="02020603050405020304" pitchFamily="18" charset="0"/>
+              </a:rPr>
+              <a:t> </a:t>
+            </a:r>
+            <a:r>
+              <a:rPr lang="en-GB" sz="2400" dirty="0" err="1" smtClean="0">
+                <a:latin typeface="Times New Roman" panose="02020603050405020304" pitchFamily="18" charset="0"/>
+                <a:cs typeface="Times New Roman" panose="02020603050405020304" pitchFamily="18" charset="0"/>
+              </a:rPr>
+              <a:t>cho</a:t>
+            </a:r>
+            <a:r>
+              <a:rPr lang="en-GB" sz="2400" dirty="0" smtClean="0">
+                <a:latin typeface="Times New Roman" panose="02020603050405020304" pitchFamily="18" charset="0"/>
+                <a:cs typeface="Times New Roman" panose="02020603050405020304" pitchFamily="18" charset="0"/>
+              </a:rPr>
+              <a:t> </a:t>
+            </a:r>
+            <a:r>
+              <a:rPr lang="en-GB" sz="2400" dirty="0" err="1" smtClean="0">
+                <a:latin typeface="Times New Roman" panose="02020603050405020304" pitchFamily="18" charset="0"/>
+                <a:cs typeface="Times New Roman" panose="02020603050405020304" pitchFamily="18" charset="0"/>
+              </a:rPr>
+              <a:t>việc</a:t>
+            </a:r>
+            <a:r>
+              <a:rPr lang="en-GB" sz="2400" dirty="0" smtClean="0">
+                <a:latin typeface="Times New Roman" panose="02020603050405020304" pitchFamily="18" charset="0"/>
+                <a:cs typeface="Times New Roman" panose="02020603050405020304" pitchFamily="18" charset="0"/>
+              </a:rPr>
+              <a:t> </a:t>
+            </a:r>
+            <a:r>
+              <a:rPr lang="en-GB" sz="2400" dirty="0" err="1" smtClean="0">
+                <a:latin typeface="Times New Roman" panose="02020603050405020304" pitchFamily="18" charset="0"/>
+                <a:cs typeface="Times New Roman" panose="02020603050405020304" pitchFamily="18" charset="0"/>
+              </a:rPr>
+              <a:t>quản</a:t>
+            </a:r>
+            <a:r>
+              <a:rPr lang="en-GB" sz="2400" dirty="0" smtClean="0">
+                <a:latin typeface="Times New Roman" panose="02020603050405020304" pitchFamily="18" charset="0"/>
+                <a:cs typeface="Times New Roman" panose="02020603050405020304" pitchFamily="18" charset="0"/>
+              </a:rPr>
+              <a:t> </a:t>
+            </a:r>
+            <a:r>
+              <a:rPr lang="en-GB" sz="2400" dirty="0" err="1" smtClean="0">
+                <a:latin typeface="Times New Roman" panose="02020603050405020304" pitchFamily="18" charset="0"/>
+                <a:cs typeface="Times New Roman" panose="02020603050405020304" pitchFamily="18" charset="0"/>
+              </a:rPr>
+              <a:t>lý</a:t>
+            </a:r>
+            <a:endParaRPr lang="en-GB" sz="2400" dirty="0" smtClean="0">
+              <a:latin typeface="Times New Roman" panose="02020603050405020304" pitchFamily="18" charset="0"/>
+              <a:cs typeface="Times New Roman" panose="02020603050405020304" pitchFamily="18" charset="0"/>
+            </a:endParaRPr>
           </a:p>
           <a:p>
             <a:pPr marL="285750" indent="-285750">
@@ -18184,19 +18729,107 @@
               <a:buChar char="Ø"/>
             </a:pPr>
             <a:r>
-              <a:rPr lang="en-GB" sz="2400">
+              <a:rPr lang="en-GB" sz="2400" dirty="0">
                 <a:latin typeface="Times New Roman" panose="02020603050405020304" pitchFamily="18" charset="0"/>
                 <a:cs typeface="Times New Roman" panose="02020603050405020304" pitchFamily="18" charset="0"/>
               </a:rPr>
               <a:t> </a:t>
             </a:r>
             <a:r>
-              <a:rPr lang="en-GB" sz="2400" smtClean="0">
-                <a:latin typeface="Times New Roman" panose="02020603050405020304" pitchFamily="18" charset="0"/>
-                <a:cs typeface="Times New Roman" panose="02020603050405020304" pitchFamily="18" charset="0"/>
-              </a:rPr>
-              <a:t>Thống kê nhanh chóng và chính xác</a:t>
-            </a:r>
+              <a:rPr lang="en-GB" sz="2400" dirty="0" err="1" smtClean="0">
+                <a:latin typeface="Times New Roman" panose="02020603050405020304" pitchFamily="18" charset="0"/>
+                <a:cs typeface="Times New Roman" panose="02020603050405020304" pitchFamily="18" charset="0"/>
+              </a:rPr>
+              <a:t>Thống</a:t>
+            </a:r>
+            <a:r>
+              <a:rPr lang="en-GB" sz="2400" dirty="0" smtClean="0">
+                <a:latin typeface="Times New Roman" panose="02020603050405020304" pitchFamily="18" charset="0"/>
+                <a:cs typeface="Times New Roman" panose="02020603050405020304" pitchFamily="18" charset="0"/>
+              </a:rPr>
+              <a:t> </a:t>
+            </a:r>
+            <a:r>
+              <a:rPr lang="en-GB" sz="2400" dirty="0" err="1" smtClean="0">
+                <a:latin typeface="Times New Roman" panose="02020603050405020304" pitchFamily="18" charset="0"/>
+                <a:cs typeface="Times New Roman" panose="02020603050405020304" pitchFamily="18" charset="0"/>
+              </a:rPr>
+              <a:t>kê</a:t>
+            </a:r>
+            <a:r>
+              <a:rPr lang="en-GB" sz="2400" dirty="0" smtClean="0">
+                <a:latin typeface="Times New Roman" panose="02020603050405020304" pitchFamily="18" charset="0"/>
+                <a:cs typeface="Times New Roman" panose="02020603050405020304" pitchFamily="18" charset="0"/>
+              </a:rPr>
+              <a:t> </a:t>
+            </a:r>
+            <a:r>
+              <a:rPr lang="en-GB" sz="2400" dirty="0" err="1" smtClean="0">
+                <a:latin typeface="Times New Roman" panose="02020603050405020304" pitchFamily="18" charset="0"/>
+                <a:cs typeface="Times New Roman" panose="02020603050405020304" pitchFamily="18" charset="0"/>
+              </a:rPr>
+              <a:t>nhanh</a:t>
+            </a:r>
+            <a:r>
+              <a:rPr lang="en-GB" sz="2400" dirty="0" smtClean="0">
+                <a:latin typeface="Times New Roman" panose="02020603050405020304" pitchFamily="18" charset="0"/>
+                <a:cs typeface="Times New Roman" panose="02020603050405020304" pitchFamily="18" charset="0"/>
+              </a:rPr>
+              <a:t> </a:t>
+            </a:r>
+            <a:r>
+              <a:rPr lang="en-GB" sz="2400" dirty="0" err="1" smtClean="0">
+                <a:latin typeface="Times New Roman" panose="02020603050405020304" pitchFamily="18" charset="0"/>
+                <a:cs typeface="Times New Roman" panose="02020603050405020304" pitchFamily="18" charset="0"/>
+              </a:rPr>
+              <a:t>chóng</a:t>
+            </a:r>
+            <a:r>
+              <a:rPr lang="en-GB" sz="2400" dirty="0" smtClean="0">
+                <a:latin typeface="Times New Roman" panose="02020603050405020304" pitchFamily="18" charset="0"/>
+                <a:cs typeface="Times New Roman" panose="02020603050405020304" pitchFamily="18" charset="0"/>
+              </a:rPr>
+              <a:t> </a:t>
+            </a:r>
+            <a:r>
+              <a:rPr lang="en-GB" sz="2400" dirty="0" err="1" smtClean="0">
+                <a:latin typeface="Times New Roman" panose="02020603050405020304" pitchFamily="18" charset="0"/>
+                <a:cs typeface="Times New Roman" panose="02020603050405020304" pitchFamily="18" charset="0"/>
+              </a:rPr>
+              <a:t>và</a:t>
+            </a:r>
+            <a:r>
+              <a:rPr lang="en-GB" sz="2400" dirty="0" smtClean="0">
+                <a:latin typeface="Times New Roman" panose="02020603050405020304" pitchFamily="18" charset="0"/>
+                <a:cs typeface="Times New Roman" panose="02020603050405020304" pitchFamily="18" charset="0"/>
+              </a:rPr>
+              <a:t> </a:t>
+            </a:r>
+            <a:r>
+              <a:rPr lang="en-GB" sz="2400" dirty="0" err="1" smtClean="0">
+                <a:latin typeface="Times New Roman" panose="02020603050405020304" pitchFamily="18" charset="0"/>
+                <a:cs typeface="Times New Roman" panose="02020603050405020304" pitchFamily="18" charset="0"/>
+              </a:rPr>
+              <a:t>chính</a:t>
+            </a:r>
+            <a:r>
+              <a:rPr lang="en-GB" sz="2400" dirty="0" smtClean="0">
+                <a:latin typeface="Times New Roman" panose="02020603050405020304" pitchFamily="18" charset="0"/>
+                <a:cs typeface="Times New Roman" panose="02020603050405020304" pitchFamily="18" charset="0"/>
+              </a:rPr>
+              <a:t> </a:t>
+            </a:r>
+            <a:r>
+              <a:rPr lang="en-GB" sz="2400" dirty="0" err="1" smtClean="0">
+                <a:latin typeface="Times New Roman" panose="02020603050405020304" pitchFamily="18" charset="0"/>
+                <a:cs typeface="Times New Roman" panose="02020603050405020304" pitchFamily="18" charset="0"/>
+              </a:rPr>
+              <a:t>xác</a:t>
+            </a:r>
+            <a:endParaRPr lang="en-GB" sz="2400" dirty="0" smtClean="0">
+              <a:latin typeface="Times New Roman" panose="02020603050405020304" pitchFamily="18" charset="0"/>
+              <a:cs typeface="Times New Roman" panose="02020603050405020304" pitchFamily="18" charset="0"/>
+            </a:endParaRPr>
           </a:p>
         </p:txBody>
       </p:sp>
